--- a/PCOO/PCOO 5413.PPTX
+++ b/PCOO/PCOO 5413.PPTX
@@ -5,10 +5,10 @@
     <p:sldMasterId id="2147483648" r:id="rId1"/>
   </p:sldMasterIdLst>
   <p:notesMasterIdLst>
-    <p:notesMasterId r:id="rId27"/>
+    <p:notesMasterId r:id="rId30"/>
   </p:notesMasterIdLst>
   <p:handoutMasterIdLst>
-    <p:handoutMasterId r:id="rId28"/>
+    <p:handoutMasterId r:id="rId31"/>
   </p:handoutMasterIdLst>
   <p:sldIdLst>
     <p:sldId id="298" r:id="rId2"/>
@@ -36,6 +36,9 @@
     <p:sldId id="341" r:id="rId24"/>
     <p:sldId id="340" r:id="rId25"/>
     <p:sldId id="342" r:id="rId26"/>
+    <p:sldId id="343" r:id="rId27"/>
+    <p:sldId id="344" r:id="rId28"/>
+    <p:sldId id="345" r:id="rId29"/>
   </p:sldIdLst>
   <p:sldSz cx="9906000" cy="6858000" type="A4"/>
   <p:notesSz cx="6794500" cy="9931400"/>
@@ -295,7 +298,7 @@
           <a:p>
             <a:fld id="{675DDB26-5A39-475D-920B-32AAE1E9FCB7}" type="datetimeFigureOut">
               <a:rPr lang="pt-PT" smtClean="0"/>
-              <a:t>25-05-2015</a:t>
+              <a:t>02-06-2015</a:t>
             </a:fld>
             <a:endParaRPr lang="pt-PT"/>
           </a:p>
@@ -460,7 +463,7 @@
           <a:p>
             <a:fld id="{38934A03-512B-4175-A05C-244CAC0C2483}" type="datetimeFigureOut">
               <a:rPr lang="de-DE" smtClean="0"/>
-              <a:t>25.05.2015</a:t>
+              <a:t>02.06.2015</a:t>
             </a:fld>
             <a:endParaRPr lang="de-DE"/>
           </a:p>
@@ -7032,7 +7035,6 @@
               <a:rPr lang="pt-PT" sz="1800" dirty="0" smtClean="0"/>
               <a:t>.</a:t>
             </a:r>
-            <a:endParaRPr lang="pt-PT" sz="1800" dirty="0" smtClean="0"/>
           </a:p>
         </p:txBody>
       </p:sp>
@@ -7150,17 +7152,7 @@
                   </a:schemeClr>
                 </a:solidFill>
               </a:rPr>
-              <a:t>Projecto – </a:t>
-            </a:r>
-            <a:r>
-              <a:rPr lang="pt-PT" dirty="0" smtClean="0">
-                <a:solidFill>
-                  <a:schemeClr val="bg1">
-                    <a:lumMod val="50000"/>
-                  </a:schemeClr>
-                </a:solidFill>
-              </a:rPr>
-              <a:t>Exercício auxiliar</a:t>
+              <a:t>Projecto – Exercício auxiliar</a:t>
             </a:r>
             <a:endParaRPr lang="pt-PT" dirty="0">
               <a:solidFill>
@@ -7222,7 +7214,6 @@
               <a:rPr lang="pt-PT" i="1" dirty="0" smtClean="0"/>
               <a:t>Hero</a:t>
             </a:r>
-            <a:endParaRPr lang="pt-PT" i="1" dirty="0" smtClean="0"/>
           </a:p>
           <a:p>
             <a:r>
@@ -7347,7 +7338,15 @@
           <a:p>
             <a:r>
               <a:rPr lang="pt-PT" sz="3000" dirty="0" smtClean="0"/>
-              <a:t>Cria uma classe chamada MySokoban e utilize essa DLL numa console application. Esta DLL deve referenciar a DLL que criaram nas aulas anteriores</a:t>
+              <a:t>Cria </a:t>
+            </a:r>
+            <a:r>
+              <a:rPr lang="pt-PT" sz="3000" smtClean="0"/>
+              <a:t>uma DLL </a:t>
+            </a:r>
+            <a:r>
+              <a:rPr lang="pt-PT" sz="3000" dirty="0" smtClean="0"/>
+              <a:t>chamada MySokoban e utilize essa DLL numa console application. Esta DLL deve referenciar a DLL que criaram nas aulas anteriores</a:t>
             </a:r>
             <a:endParaRPr lang="pt-PT" sz="3000" dirty="0"/>
           </a:p>
@@ -7377,6 +7376,271 @@
 </file>
 
 <file path=ppt/slides/slide25.xml><?xml version="1.0" encoding="utf-8"?>
+<p:sld xmlns:a="http://schemas.openxmlformats.org/drawingml/2006/main" xmlns:r="http://schemas.openxmlformats.org/officeDocument/2006/relationships" xmlns:p="http://schemas.openxmlformats.org/presentationml/2006/main" show="0">
+  <p:cSld>
+    <p:spTree>
+      <p:nvGrpSpPr>
+        <p:cNvPr id="1" name=""/>
+        <p:cNvGrpSpPr/>
+        <p:nvPr/>
+      </p:nvGrpSpPr>
+      <p:grpSpPr>
+        <a:xfrm>
+          <a:off x="0" y="0"/>
+          <a:ext cx="0" cy="0"/>
+          <a:chOff x="0" y="0"/>
+          <a:chExt cx="0" cy="0"/>
+        </a:xfrm>
+      </p:grpSpPr>
+      <p:sp>
+        <p:nvSpPr>
+          <p:cNvPr id="4" name="Date Placeholder 3"/>
+          <p:cNvSpPr>
+            <a:spLocks noGrp="1"/>
+          </p:cNvSpPr>
+          <p:nvPr>
+            <p:ph type="dt" sz="half" idx="10"/>
+          </p:nvPr>
+        </p:nvSpPr>
+        <p:spPr/>
+        <p:txBody>
+          <a:bodyPr/>
+          <a:lstStyle/>
+          <a:p>
+            <a:r>
+              <a:rPr lang="pt-PT" dirty="0" smtClean="0"/>
+              <a:t>www.atec.pt</a:t>
+            </a:r>
+            <a:endParaRPr lang="de-DE" dirty="0"/>
+          </a:p>
+        </p:txBody>
+      </p:sp>
+      <p:sp>
+        <p:nvSpPr>
+          <p:cNvPr id="6" name="Slide Number Placeholder 5"/>
+          <p:cNvSpPr>
+            <a:spLocks noGrp="1"/>
+          </p:cNvSpPr>
+          <p:nvPr>
+            <p:ph type="sldNum" sz="quarter" idx="12"/>
+          </p:nvPr>
+        </p:nvSpPr>
+        <p:spPr/>
+        <p:txBody>
+          <a:bodyPr/>
+          <a:lstStyle/>
+          <a:p>
+            <a:r>
+              <a:rPr lang="de-DE" dirty="0" smtClean="0"/>
+              <a:t>Page </a:t>
+            </a:r>
+            <a:fld id="{A5BB97A9-7D72-4F8F-8BC5-4E547C3F4DC5}" type="slidenum">
+              <a:rPr lang="de-DE" smtClean="0"/>
+              <a:pPr/>
+              <a:t>25</a:t>
+            </a:fld>
+            <a:endParaRPr lang="de-DE" dirty="0"/>
+          </a:p>
+        </p:txBody>
+      </p:sp>
+      <p:sp>
+        <p:nvSpPr>
+          <p:cNvPr id="2" name="Title 1"/>
+          <p:cNvSpPr>
+            <a:spLocks noGrp="1"/>
+          </p:cNvSpPr>
+          <p:nvPr>
+            <p:ph type="title"/>
+          </p:nvPr>
+        </p:nvSpPr>
+        <p:spPr/>
+        <p:txBody>
+          <a:bodyPr/>
+          <a:lstStyle/>
+          <a:p>
+            <a:r>
+              <a:rPr lang="pt-PT" dirty="0" smtClean="0">
+                <a:solidFill>
+                  <a:schemeClr val="bg1">
+                    <a:lumMod val="50000"/>
+                  </a:schemeClr>
+                </a:solidFill>
+              </a:rPr>
+              <a:t>Projecto – Fase I</a:t>
+            </a:r>
+            <a:endParaRPr lang="pt-PT" dirty="0">
+              <a:solidFill>
+                <a:schemeClr val="bg1">
+                  <a:lumMod val="50000"/>
+                </a:schemeClr>
+              </a:solidFill>
+            </a:endParaRPr>
+          </a:p>
+        </p:txBody>
+      </p:sp>
+      <p:sp>
+        <p:nvSpPr>
+          <p:cNvPr id="3" name="Content Placeholder 2"/>
+          <p:cNvSpPr>
+            <a:spLocks noGrp="1"/>
+          </p:cNvSpPr>
+          <p:nvPr>
+            <p:ph sz="half" idx="1"/>
+          </p:nvPr>
+        </p:nvSpPr>
+        <p:spPr>
+          <a:xfrm>
+            <a:off x="163286" y="783771"/>
+            <a:ext cx="8809264" cy="4963885"/>
+          </a:xfrm>
+        </p:spPr>
+        <p:txBody>
+          <a:bodyPr>
+            <a:normAutofit fontScale="77500" lnSpcReduction="20000"/>
+          </a:bodyPr>
+          <a:lstStyle/>
+          <a:p>
+            <a:r>
+              <a:rPr lang="pt-PT" dirty="0" smtClean="0"/>
+              <a:t>Considerando os seguintes dados adicionais, implemente/altere as classes necessárias:</a:t>
+            </a:r>
+          </a:p>
+          <a:p>
+            <a:pPr marL="457200" indent="-457200">
+              <a:buFont typeface="+mj-lt"/>
+              <a:buAutoNum type="arabicPeriod"/>
+            </a:pPr>
+            <a:r>
+              <a:rPr lang="pt-PT" dirty="0" smtClean="0"/>
+              <a:t>Uma peça tem uma determinada cor;</a:t>
+            </a:r>
+          </a:p>
+          <a:p>
+            <a:pPr marL="457200" indent="-457200">
+              <a:buFont typeface="+mj-lt"/>
+              <a:buAutoNum type="arabicPeriod"/>
+            </a:pPr>
+            <a:r>
+              <a:rPr lang="pt-PT" dirty="0" smtClean="0"/>
+              <a:t>Uma peça está numa determinada localização do tabuleiro;</a:t>
+            </a:r>
+          </a:p>
+          <a:p>
+            <a:pPr marL="457200" indent="-457200">
+              <a:buFont typeface="+mj-lt"/>
+              <a:buAutoNum type="arabicPeriod"/>
+            </a:pPr>
+            <a:r>
+              <a:rPr lang="pt-PT" dirty="0" smtClean="0"/>
+              <a:t>No xadrez cada tipo de peça tem um movimento possível, dependendo do tipo de peça que é, dependendo também de onde está e para onde vai;</a:t>
+            </a:r>
+          </a:p>
+          <a:p>
+            <a:pPr marL="990600" lvl="2" indent="-457200">
+              <a:buFont typeface="+mj-lt"/>
+              <a:buAutoNum type="arabicPeriod"/>
+            </a:pPr>
+            <a:r>
+              <a:rPr lang="pt-PT" dirty="0" smtClean="0"/>
+              <a:t>Captura en-passant</a:t>
+            </a:r>
+          </a:p>
+          <a:p>
+            <a:pPr marL="990600" lvl="2" indent="-457200">
+              <a:buFont typeface="+mj-lt"/>
+              <a:buAutoNum type="arabicPeriod"/>
+            </a:pPr>
+            <a:r>
+              <a:rPr lang="pt-PT" dirty="0" smtClean="0"/>
+              <a:t>Castle king side, Castle queen side;</a:t>
+            </a:r>
+          </a:p>
+          <a:p>
+            <a:pPr marL="990600" lvl="2" indent="-457200">
+              <a:buFont typeface="+mj-lt"/>
+              <a:buAutoNum type="arabicPeriod"/>
+            </a:pPr>
+            <a:r>
+              <a:rPr lang="pt-PT" dirty="0" smtClean="0"/>
+              <a:t>Chequemate;</a:t>
+            </a:r>
+          </a:p>
+          <a:p>
+            <a:pPr marL="990600" lvl="2" indent="-457200">
+              <a:buFont typeface="+mj-lt"/>
+              <a:buAutoNum type="arabicPeriod"/>
+            </a:pPr>
+            <a:r>
+              <a:rPr lang="pt-PT" dirty="0" smtClean="0"/>
+              <a:t>Stalemate;</a:t>
+            </a:r>
+          </a:p>
+          <a:p>
+            <a:pPr marL="990600" lvl="2" indent="-457200">
+              <a:buFont typeface="+mj-lt"/>
+              <a:buAutoNum type="arabicPeriod"/>
+            </a:pPr>
+            <a:r>
+              <a:rPr lang="pt-PT" dirty="0" smtClean="0"/>
+              <a:t>Promotion;</a:t>
+            </a:r>
+          </a:p>
+          <a:p>
+            <a:pPr marL="457200" indent="-457200">
+              <a:buFont typeface="+mj-lt"/>
+              <a:buAutoNum type="arabicPeriod"/>
+            </a:pPr>
+            <a:r>
+              <a:rPr lang="pt-PT" dirty="0" smtClean="0"/>
+              <a:t>Um jogo de xadrez é composto por um tabuleiro com uma disposição inicial de peças e por dois jogadores;</a:t>
+            </a:r>
+          </a:p>
+          <a:p>
+            <a:pPr marL="457200" indent="-457200">
+              <a:buFont typeface="+mj-lt"/>
+              <a:buAutoNum type="arabicPeriod"/>
+            </a:pPr>
+            <a:r>
+              <a:rPr lang="pt-PT" dirty="0" smtClean="0"/>
+              <a:t>No xadrez os jogadores identificam-se por “jogador com peças brancas” e “jogador com peças pretas”;</a:t>
+            </a:r>
+          </a:p>
+          <a:p>
+            <a:pPr marL="457200" indent="-457200">
+              <a:buFont typeface="+mj-lt"/>
+              <a:buAutoNum type="arabicPeriod"/>
+            </a:pPr>
+            <a:r>
+              <a:rPr lang="pt-PT" dirty="0" smtClean="0"/>
+              <a:t>O jogo inicia-se com o jogador das peças brancas;</a:t>
+            </a:r>
+          </a:p>
+        </p:txBody>
+      </p:sp>
+    </p:spTree>
+    <p:extLst>
+      <p:ext uri="{BB962C8B-B14F-4D97-AF65-F5344CB8AC3E}">
+        <p14:creationId xmlns:p14="http://schemas.microsoft.com/office/powerpoint/2010/main" val="4213418994"/>
+      </p:ext>
+    </p:extLst>
+  </p:cSld>
+  <p:clrMapOvr>
+    <a:masterClrMapping/>
+  </p:clrMapOvr>
+  <p:transition>
+    <p:cut/>
+  </p:transition>
+  <p:timing>
+    <p:tnLst>
+      <p:par>
+        <p:cTn id="1" dur="indefinite" restart="never" nodeType="tmRoot"/>
+      </p:par>
+    </p:tnLst>
+  </p:timing>
+</p:sld>
+</file>
+
+<file path=ppt/slides/slide26.xml><?xml version="1.0" encoding="utf-8"?>
 <p:sld xmlns:a="http://schemas.openxmlformats.org/drawingml/2006/main" xmlns:r="http://schemas.openxmlformats.org/officeDocument/2006/relationships" xmlns:p="http://schemas.openxmlformats.org/presentationml/2006/main">
   <p:cSld>
     <p:spTree>
@@ -7438,7 +7702,7 @@
             <a:fld id="{A5BB97A9-7D72-4F8F-8BC5-4E547C3F4DC5}" type="slidenum">
               <a:rPr lang="de-DE" smtClean="0"/>
               <a:pPr/>
-              <a:t>25</a:t>
+              <a:t>26</a:t>
             </a:fld>
             <a:endParaRPr lang="de-DE" dirty="0"/>
           </a:p>
@@ -7467,7 +7731,7 @@
                   </a:schemeClr>
                 </a:solidFill>
               </a:rPr>
-              <a:t>Projecto – Fase I</a:t>
+              <a:t>Projecto III – ACME</a:t>
             </a:r>
             <a:endParaRPr lang="pt-PT" dirty="0">
               <a:solidFill>
@@ -7491,137 +7755,995 @@
         </p:nvSpPr>
         <p:spPr>
           <a:xfrm>
-            <a:off x="163286" y="783771"/>
-            <a:ext cx="8809264" cy="4963885"/>
+            <a:off x="163285" y="783771"/>
+            <a:ext cx="9535886" cy="5562600"/>
           </a:xfrm>
         </p:spPr>
         <p:txBody>
           <a:bodyPr>
-            <a:normAutofit fontScale="77500" lnSpcReduction="20000"/>
+            <a:normAutofit fontScale="92500" lnSpcReduction="20000"/>
           </a:bodyPr>
           <a:lstStyle/>
           <a:p>
-            <a:r>
-              <a:rPr lang="pt-PT" dirty="0" smtClean="0"/>
-              <a:t>Considerando os seguintes dados adicionais, implemente/altere as classes necessárias:</a:t>
-            </a:r>
-          </a:p>
-          <a:p>
-            <a:pPr marL="457200" indent="-457200">
-              <a:buFont typeface="+mj-lt"/>
-              <a:buAutoNum type="arabicPeriod"/>
-            </a:pPr>
-            <a:r>
-              <a:rPr lang="pt-PT" dirty="0" smtClean="0"/>
-              <a:t>Uma peça tem uma determinada cor;</a:t>
-            </a:r>
-          </a:p>
-          <a:p>
-            <a:pPr marL="457200" indent="-457200">
-              <a:buFont typeface="+mj-lt"/>
-              <a:buAutoNum type="arabicPeriod"/>
-            </a:pPr>
-            <a:r>
-              <a:rPr lang="pt-PT" dirty="0" smtClean="0"/>
-              <a:t>Uma peça está numa determinada localização do tabuleiro;</a:t>
-            </a:r>
-          </a:p>
-          <a:p>
-            <a:pPr marL="457200" indent="-457200">
-              <a:buFont typeface="+mj-lt"/>
-              <a:buAutoNum type="arabicPeriod"/>
-            </a:pPr>
-            <a:r>
-              <a:rPr lang="pt-PT" dirty="0" smtClean="0"/>
-              <a:t>No xadrez cada tipo de peça tem um movimento possível, dependendo do tipo de peça que é, dependendo também de onde está e para onde vai;</a:t>
-            </a:r>
-          </a:p>
-          <a:p>
-            <a:pPr marL="990600" lvl="2" indent="-457200">
-              <a:buFont typeface="+mj-lt"/>
-              <a:buAutoNum type="arabicPeriod"/>
-            </a:pPr>
-            <a:r>
-              <a:rPr lang="pt-PT" dirty="0" smtClean="0"/>
-              <a:t>Captura en-passant</a:t>
-            </a:r>
-          </a:p>
-          <a:p>
-            <a:pPr marL="990600" lvl="2" indent="-457200">
-              <a:buFont typeface="+mj-lt"/>
-              <a:buAutoNum type="arabicPeriod"/>
-            </a:pPr>
-            <a:r>
-              <a:rPr lang="pt-PT" dirty="0" smtClean="0"/>
-              <a:t>Castle king side, Castle queen side;</a:t>
-            </a:r>
-          </a:p>
-          <a:p>
-            <a:pPr marL="990600" lvl="2" indent="-457200">
-              <a:buFont typeface="+mj-lt"/>
-              <a:buAutoNum type="arabicPeriod"/>
-            </a:pPr>
-            <a:r>
-              <a:rPr lang="pt-PT" dirty="0" smtClean="0"/>
-              <a:t>Chequemate;</a:t>
-            </a:r>
-          </a:p>
-          <a:p>
-            <a:pPr marL="990600" lvl="2" indent="-457200">
-              <a:buFont typeface="+mj-lt"/>
-              <a:buAutoNum type="arabicPeriod"/>
-            </a:pPr>
-            <a:r>
-              <a:rPr lang="pt-PT" dirty="0" smtClean="0"/>
-              <a:t>Stalemate;</a:t>
-            </a:r>
-          </a:p>
-          <a:p>
-            <a:pPr marL="990600" lvl="2" indent="-457200">
-              <a:buFont typeface="+mj-lt"/>
-              <a:buAutoNum type="arabicPeriod"/>
-            </a:pPr>
-            <a:r>
-              <a:rPr lang="pt-PT" dirty="0" smtClean="0"/>
-              <a:t>Promotion;</a:t>
-            </a:r>
-          </a:p>
-          <a:p>
-            <a:pPr marL="457200" indent="-457200">
-              <a:buFont typeface="+mj-lt"/>
-              <a:buAutoNum type="arabicPeriod"/>
-            </a:pPr>
-            <a:r>
-              <a:rPr lang="pt-PT" dirty="0" smtClean="0"/>
-              <a:t>Um jogo de xadrez é composto por um tabuleiro com uma disposição inicial de peças e por dois jogadores;</a:t>
-            </a:r>
-          </a:p>
-          <a:p>
-            <a:pPr marL="457200" indent="-457200">
-              <a:buFont typeface="+mj-lt"/>
-              <a:buAutoNum type="arabicPeriod"/>
-            </a:pPr>
-            <a:r>
-              <a:rPr lang="pt-PT" dirty="0" smtClean="0"/>
-              <a:t>No xadrez os jogadores identificam-se por “jogador com peças brancas” e “jogador com peças pretas”;</a:t>
-            </a:r>
-          </a:p>
-          <a:p>
-            <a:pPr marL="457200" indent="-457200">
-              <a:buFont typeface="+mj-lt"/>
-              <a:buAutoNum type="arabicPeriod"/>
-            </a:pPr>
-            <a:r>
-              <a:rPr lang="pt-PT" dirty="0" smtClean="0"/>
-              <a:t>O jogo inicia-se com o jogador das peças brancas;</a:t>
-            </a:r>
+            <a:pPr algn="just"/>
+            <a:r>
+              <a:rPr lang="pt-PT" sz="1600" dirty="0"/>
+              <a:t>A ACME </a:t>
+            </a:r>
+            <a:r>
+              <a:rPr lang="pt-PT" sz="1600" dirty="0" smtClean="0"/>
+              <a:t>é uma empresa de aluguer de filmes que pretende automatizar um processo crítico do negócio que dispõem. Este </a:t>
+            </a:r>
+            <a:r>
+              <a:rPr lang="pt-PT" sz="1600" dirty="0"/>
+              <a:t>processo </a:t>
+            </a:r>
+            <a:r>
+              <a:rPr lang="pt-PT" sz="1600" dirty="0" smtClean="0"/>
+              <a:t>consiste num cliente que, após </a:t>
+            </a:r>
+            <a:r>
+              <a:rPr lang="pt-PT" sz="1600" dirty="0"/>
+              <a:t>ter escolhido </a:t>
+            </a:r>
+            <a:r>
+              <a:rPr lang="pt-PT" sz="1600" dirty="0" smtClean="0"/>
+              <a:t>os filmes </a:t>
+            </a:r>
+            <a:r>
+              <a:rPr lang="pt-PT" sz="1600" dirty="0"/>
+              <a:t>que deseja, </a:t>
+            </a:r>
+            <a:r>
+              <a:rPr lang="pt-PT" sz="1600" dirty="0" smtClean="0"/>
+              <a:t>apresenta-se a um dos balcões de atendimento. O funcionário </a:t>
+            </a:r>
+            <a:r>
+              <a:rPr lang="pt-PT" sz="1600" dirty="0"/>
+              <a:t>responsável irá solicitar o número do cartão de </a:t>
+            </a:r>
+            <a:r>
+              <a:rPr lang="pt-PT" sz="1600" dirty="0" smtClean="0"/>
+              <a:t>sócio </a:t>
+            </a:r>
+            <a:r>
+              <a:rPr lang="pt-PT" sz="1600" dirty="0"/>
+              <a:t>do cliente e </a:t>
+            </a:r>
+            <a:r>
+              <a:rPr lang="pt-PT" sz="1600" dirty="0" smtClean="0"/>
+              <a:t>depois registará os itens que ele pretende alugar.</a:t>
+            </a:r>
+          </a:p>
+          <a:p>
+            <a:pPr algn="just"/>
+            <a:r>
+              <a:rPr lang="pt-PT" sz="1600" dirty="0" smtClean="0"/>
+              <a:t>Os clientes da ACME devem estar registados como sócios antes </a:t>
+            </a:r>
+            <a:r>
+              <a:rPr lang="pt-PT" sz="1600" dirty="0"/>
+              <a:t>de poderem efetuar </a:t>
+            </a:r>
+            <a:r>
+              <a:rPr lang="pt-PT" sz="1600" dirty="0" smtClean="0"/>
+              <a:t>qualquer aluguer. As seguintes informações são obrigatórias: nome</a:t>
+            </a:r>
+            <a:r>
+              <a:rPr lang="pt-PT" sz="1600" dirty="0"/>
+              <a:t>, endereço e </a:t>
+            </a:r>
+            <a:r>
+              <a:rPr lang="pt-PT" sz="1600" dirty="0" smtClean="0"/>
+              <a:t>telefone; para além disso cada cliente possui </a:t>
+            </a:r>
+            <a:r>
+              <a:rPr lang="pt-PT" sz="1600" dirty="0"/>
+              <a:t>um </a:t>
+            </a:r>
+            <a:r>
+              <a:rPr lang="pt-PT" sz="1600" dirty="0" smtClean="0"/>
+              <a:t>número de sócio único.</a:t>
+            </a:r>
+          </a:p>
+          <a:p>
+            <a:pPr algn="just"/>
+            <a:r>
+              <a:rPr lang="pt-PT" sz="1600" dirty="0" smtClean="0"/>
+              <a:t>Quando uma reserva é efetivada é atribuído um número de reserva que será, mais tarde, utilizada para manter o controlo da mesma. A </a:t>
+            </a:r>
+            <a:r>
+              <a:rPr lang="pt-PT" sz="1600" dirty="0"/>
+              <a:t>efetivação de </a:t>
+            </a:r>
+            <a:r>
+              <a:rPr lang="pt-PT" sz="1600" dirty="0" smtClean="0"/>
+              <a:t>um aluguer contém as seguintes informações : </a:t>
+            </a:r>
+            <a:r>
+              <a:rPr lang="pt-PT" sz="1600" dirty="0"/>
+              <a:t>data de início, o cliente que </a:t>
+            </a:r>
+            <a:r>
+              <a:rPr lang="pt-PT" sz="1600" dirty="0" smtClean="0"/>
+              <a:t>a solicitou </a:t>
+            </a:r>
+            <a:r>
+              <a:rPr lang="pt-PT" sz="1600" dirty="0"/>
+              <a:t>e uma lista dos </a:t>
+            </a:r>
+            <a:r>
+              <a:rPr lang="pt-PT" sz="1600" dirty="0" smtClean="0"/>
+              <a:t>itens alugados.</a:t>
+            </a:r>
+          </a:p>
+          <a:p>
+            <a:pPr algn="just"/>
+            <a:r>
+              <a:rPr lang="pt-PT" sz="1600" dirty="0" smtClean="0"/>
+              <a:t>Para cada item alugado controlamos a data em que deve ser devolvido e a data em que efetivamente foi devolvido. A </a:t>
+            </a:r>
+            <a:r>
+              <a:rPr lang="pt-PT" sz="1600" dirty="0"/>
+              <a:t>data de devolução é dependente </a:t>
+            </a:r>
+            <a:r>
+              <a:rPr lang="pt-PT" sz="1600" dirty="0" smtClean="0"/>
+              <a:t>do número de dias em que um item pode </a:t>
+            </a:r>
+            <a:r>
+              <a:rPr lang="pt-PT" sz="1600" dirty="0"/>
+              <a:t>permanecer </a:t>
+            </a:r>
+            <a:r>
+              <a:rPr lang="pt-PT" sz="1600" dirty="0" smtClean="0"/>
+              <a:t>alugado, </a:t>
+            </a:r>
+            <a:r>
+              <a:rPr lang="pt-PT" sz="1600" dirty="0"/>
+              <a:t>sendo assim, cada item pode ter uma data diferente</a:t>
+            </a:r>
+            <a:r>
+              <a:rPr lang="pt-PT" sz="1600" dirty="0" smtClean="0"/>
+              <a:t>.</a:t>
+            </a:r>
+          </a:p>
+          <a:p>
+            <a:pPr algn="just"/>
+            <a:r>
+              <a:rPr lang="pt-PT" sz="1600" dirty="0" smtClean="0"/>
+              <a:t>Os </a:t>
+            </a:r>
+            <a:r>
+              <a:rPr lang="pt-PT" sz="1600" dirty="0"/>
+              <a:t>itens para </a:t>
+            </a:r>
+            <a:r>
+              <a:rPr lang="pt-PT" sz="1600" dirty="0" smtClean="0"/>
+              <a:t>aluguer atualmente são apenas DVD’s </a:t>
+            </a:r>
+            <a:r>
+              <a:rPr lang="pt-PT" sz="1600" dirty="0"/>
+              <a:t>de </a:t>
+            </a:r>
+            <a:r>
+              <a:rPr lang="pt-PT" sz="1600" dirty="0" smtClean="0"/>
+              <a:t>filmes. </a:t>
+            </a:r>
+            <a:r>
+              <a:rPr lang="pt-PT" sz="1600" dirty="0"/>
+              <a:t>Mas </a:t>
+            </a:r>
+            <a:r>
+              <a:rPr lang="pt-PT" sz="1600" dirty="0" smtClean="0"/>
+              <a:t>pretendem alugar, em breve, jogos </a:t>
+            </a:r>
+            <a:r>
+              <a:rPr lang="pt-PT" sz="1600" dirty="0"/>
+              <a:t>e </a:t>
+            </a:r>
+            <a:r>
+              <a:rPr lang="pt-PT" sz="1600" dirty="0" smtClean="0"/>
+              <a:t>DVDs de conteúdos. Cada </a:t>
+            </a:r>
+            <a:r>
+              <a:rPr lang="pt-PT" sz="1600" dirty="0"/>
+              <a:t>item para </a:t>
+            </a:r>
+            <a:r>
+              <a:rPr lang="pt-PT" sz="1600" dirty="0" smtClean="0"/>
+              <a:t>aluguer tem </a:t>
+            </a:r>
+            <a:r>
+              <a:rPr lang="pt-PT" sz="1600" dirty="0"/>
+              <a:t>as seguintes </a:t>
+            </a:r>
+            <a:r>
+              <a:rPr lang="pt-PT" sz="1600" dirty="0" smtClean="0"/>
+              <a:t>informações: preço </a:t>
+            </a:r>
+            <a:r>
+              <a:rPr lang="pt-PT" sz="1600" dirty="0"/>
+              <a:t>do </a:t>
+            </a:r>
+            <a:r>
+              <a:rPr lang="pt-PT" sz="1600" dirty="0" smtClean="0"/>
+              <a:t>aluguer, número </a:t>
+            </a:r>
+            <a:r>
+              <a:rPr lang="pt-PT" sz="1600" dirty="0"/>
+              <a:t>de dias que </a:t>
+            </a:r>
+            <a:r>
+              <a:rPr lang="pt-PT" sz="1600" dirty="0" smtClean="0"/>
+              <a:t>pode permanecer </a:t>
+            </a:r>
+            <a:r>
+              <a:rPr lang="pt-PT" sz="1600" dirty="0"/>
+              <a:t>emprestado, o título do </a:t>
+            </a:r>
+            <a:r>
+              <a:rPr lang="pt-PT" sz="1600" dirty="0" smtClean="0"/>
+              <a:t>filme, uma </a:t>
+            </a:r>
+            <a:r>
+              <a:rPr lang="pt-PT" sz="1600" dirty="0"/>
+              <a:t>breve descrição (sinopse) e uma categoria (ação, aventura, </a:t>
+            </a:r>
+            <a:r>
+              <a:rPr lang="pt-PT" sz="1600" dirty="0" smtClean="0"/>
+              <a:t>etc).</a:t>
+            </a:r>
+          </a:p>
+          <a:p>
+            <a:pPr algn="just"/>
+            <a:r>
+              <a:rPr lang="pt-PT" sz="1600" dirty="0" smtClean="0"/>
+              <a:t>As seguintes alíneas devem ser realizadas em papel </a:t>
+            </a:r>
+            <a:r>
+              <a:rPr lang="pt-PT" sz="2200" b="1" u="sng" dirty="0" smtClean="0"/>
+              <a:t>apenas</a:t>
+            </a:r>
+            <a:r>
+              <a:rPr lang="pt-PT" sz="1600" dirty="0" smtClean="0"/>
+              <a:t>:</a:t>
+            </a:r>
+          </a:p>
+          <a:p>
+            <a:pPr algn="just"/>
+            <a:r>
+              <a:rPr lang="pt-PT" sz="1600" b="1" dirty="0" smtClean="0"/>
+              <a:t>1º</a:t>
+            </a:r>
+            <a:r>
+              <a:rPr lang="pt-PT" sz="1600" dirty="0" smtClean="0"/>
+              <a:t> Identifique as classes que compõe o negócio da ACME, escreva uma breve identificação para as classes de forma a demonstrar a sua relevância;</a:t>
+            </a:r>
+          </a:p>
+          <a:p>
+            <a:pPr algn="just"/>
+            <a:r>
+              <a:rPr lang="pt-PT" sz="1600" b="1" dirty="0" smtClean="0"/>
+              <a:t>2º</a:t>
+            </a:r>
+            <a:r>
+              <a:rPr lang="pt-PT" sz="1600" dirty="0" smtClean="0"/>
+              <a:t> Identifique os atributos das classes identificadas (atributos podem ser do tipo de classes identificadas);</a:t>
+            </a:r>
+          </a:p>
+          <a:p>
+            <a:pPr algn="just"/>
+            <a:r>
+              <a:rPr lang="pt-PT" sz="1600" b="1" dirty="0" smtClean="0"/>
+              <a:t>3º</a:t>
+            </a:r>
+            <a:r>
+              <a:rPr lang="pt-PT" sz="1600" dirty="0" smtClean="0"/>
+              <a:t> Identifique alguns métodos relevantes para as entidades.</a:t>
+            </a:r>
+            <a:endParaRPr lang="pt-PT" sz="1600" dirty="0"/>
           </a:p>
         </p:txBody>
       </p:sp>
     </p:spTree>
     <p:extLst>
       <p:ext uri="{BB962C8B-B14F-4D97-AF65-F5344CB8AC3E}">
-        <p14:creationId xmlns:p14="http://schemas.microsoft.com/office/powerpoint/2010/main" val="4213418994"/>
+        <p14:creationId xmlns:p14="http://schemas.microsoft.com/office/powerpoint/2010/main" val="1287095445"/>
+      </p:ext>
+    </p:extLst>
+  </p:cSld>
+  <p:clrMapOvr>
+    <a:masterClrMapping/>
+  </p:clrMapOvr>
+  <p:transition>
+    <p:cut/>
+  </p:transition>
+  <p:timing>
+    <p:tnLst>
+      <p:par>
+        <p:cTn id="1" dur="indefinite" restart="never" nodeType="tmRoot"/>
+      </p:par>
+    </p:tnLst>
+  </p:timing>
+</p:sld>
+</file>
+
+<file path=ppt/slides/slide27.xml><?xml version="1.0" encoding="utf-8"?>
+<p:sld xmlns:a="http://schemas.openxmlformats.org/drawingml/2006/main" xmlns:r="http://schemas.openxmlformats.org/officeDocument/2006/relationships" xmlns:p="http://schemas.openxmlformats.org/presentationml/2006/main">
+  <p:cSld>
+    <p:spTree>
+      <p:nvGrpSpPr>
+        <p:cNvPr id="1" name=""/>
+        <p:cNvGrpSpPr/>
+        <p:nvPr/>
+      </p:nvGrpSpPr>
+      <p:grpSpPr>
+        <a:xfrm>
+          <a:off x="0" y="0"/>
+          <a:ext cx="0" cy="0"/>
+          <a:chOff x="0" y="0"/>
+          <a:chExt cx="0" cy="0"/>
+        </a:xfrm>
+      </p:grpSpPr>
+      <p:sp>
+        <p:nvSpPr>
+          <p:cNvPr id="4" name="Date Placeholder 3"/>
+          <p:cNvSpPr>
+            <a:spLocks noGrp="1"/>
+          </p:cNvSpPr>
+          <p:nvPr>
+            <p:ph type="dt" sz="half" idx="10"/>
+          </p:nvPr>
+        </p:nvSpPr>
+        <p:spPr/>
+        <p:txBody>
+          <a:bodyPr/>
+          <a:lstStyle/>
+          <a:p>
+            <a:r>
+              <a:rPr lang="pt-PT" dirty="0" smtClean="0"/>
+              <a:t>www.atec.pt</a:t>
+            </a:r>
+            <a:endParaRPr lang="de-DE" dirty="0"/>
+          </a:p>
+        </p:txBody>
+      </p:sp>
+      <p:sp>
+        <p:nvSpPr>
+          <p:cNvPr id="6" name="Slide Number Placeholder 5"/>
+          <p:cNvSpPr>
+            <a:spLocks noGrp="1"/>
+          </p:cNvSpPr>
+          <p:nvPr>
+            <p:ph type="sldNum" sz="quarter" idx="12"/>
+          </p:nvPr>
+        </p:nvSpPr>
+        <p:spPr/>
+        <p:txBody>
+          <a:bodyPr/>
+          <a:lstStyle/>
+          <a:p>
+            <a:r>
+              <a:rPr lang="de-DE" dirty="0" smtClean="0"/>
+              <a:t>Page </a:t>
+            </a:r>
+            <a:fld id="{A5BB97A9-7D72-4F8F-8BC5-4E547C3F4DC5}" type="slidenum">
+              <a:rPr lang="de-DE" smtClean="0"/>
+              <a:pPr/>
+              <a:t>27</a:t>
+            </a:fld>
+            <a:endParaRPr lang="de-DE" dirty="0"/>
+          </a:p>
+        </p:txBody>
+      </p:sp>
+      <p:sp>
+        <p:nvSpPr>
+          <p:cNvPr id="2" name="Title 1"/>
+          <p:cNvSpPr>
+            <a:spLocks noGrp="1"/>
+          </p:cNvSpPr>
+          <p:nvPr>
+            <p:ph type="title"/>
+          </p:nvPr>
+        </p:nvSpPr>
+        <p:spPr/>
+        <p:txBody>
+          <a:bodyPr/>
+          <a:lstStyle/>
+          <a:p>
+            <a:r>
+              <a:rPr lang="pt-PT" dirty="0" smtClean="0">
+                <a:solidFill>
+                  <a:schemeClr val="bg1">
+                    <a:lumMod val="50000"/>
+                  </a:schemeClr>
+                </a:solidFill>
+              </a:rPr>
+              <a:t>Projecto III – ACME</a:t>
+            </a:r>
+            <a:endParaRPr lang="pt-PT" dirty="0">
+              <a:solidFill>
+                <a:schemeClr val="bg1">
+                  <a:lumMod val="50000"/>
+                </a:schemeClr>
+              </a:solidFill>
+            </a:endParaRPr>
+          </a:p>
+        </p:txBody>
+      </p:sp>
+      <p:sp>
+        <p:nvSpPr>
+          <p:cNvPr id="3" name="Content Placeholder 2"/>
+          <p:cNvSpPr>
+            <a:spLocks noGrp="1"/>
+          </p:cNvSpPr>
+          <p:nvPr>
+            <p:ph sz="half" idx="1"/>
+          </p:nvPr>
+        </p:nvSpPr>
+        <p:spPr>
+          <a:xfrm>
+            <a:off x="163285" y="783771"/>
+            <a:ext cx="9535886" cy="5562600"/>
+          </a:xfrm>
+        </p:spPr>
+        <p:txBody>
+          <a:bodyPr>
+            <a:normAutofit fontScale="92500"/>
+          </a:bodyPr>
+          <a:lstStyle/>
+          <a:p>
+            <a:pPr algn="just"/>
+            <a:r>
+              <a:rPr lang="pt-PT" sz="1600" b="1" dirty="0" smtClean="0"/>
+              <a:t>Cliente</a:t>
+            </a:r>
+            <a:r>
+              <a:rPr lang="pt-PT" sz="1600" dirty="0" smtClean="0"/>
+              <a:t>[nome, endereco, telefone, numSocio]   </a:t>
+            </a:r>
+            <a:r>
+              <a:rPr lang="pt-PT" sz="1600" b="1" dirty="0" smtClean="0"/>
+              <a:t>Item</a:t>
+            </a:r>
+            <a:r>
+              <a:rPr lang="pt-PT" sz="1600" dirty="0" smtClean="0"/>
+              <a:t> (preco, numDias, descricao </a:t>
+            </a:r>
+            <a:r>
+              <a:rPr lang="pt-PT" sz="1600" b="1" dirty="0" smtClean="0"/>
+              <a:t>DVDFilme</a:t>
+            </a:r>
+            <a:r>
+              <a:rPr lang="pt-PT" sz="1600" dirty="0" smtClean="0"/>
+              <a:t>[sinopse, categoria]</a:t>
+            </a:r>
+          </a:p>
+          <a:p>
+            <a:pPr algn="just"/>
+            <a:r>
+              <a:rPr lang="pt-PT" sz="1600" b="1" dirty="0" smtClean="0"/>
+              <a:t>Aluguer</a:t>
+            </a:r>
+            <a:r>
+              <a:rPr lang="pt-PT" sz="1600" dirty="0" smtClean="0"/>
+              <a:t>[Cliente, dataInicio, numReserva, itensAlugados]  </a:t>
+            </a:r>
+            <a:r>
+              <a:rPr lang="pt-PT" sz="1600" b="1" dirty="0" smtClean="0"/>
+              <a:t>ItemAlugado</a:t>
+            </a:r>
+            <a:r>
+              <a:rPr lang="pt-PT" sz="1600" dirty="0" smtClean="0"/>
+              <a:t>[dataPrevista, dataReal]</a:t>
+            </a:r>
+            <a:r>
+              <a:rPr lang="pt-PT" sz="1600" b="1" dirty="0" smtClean="0"/>
+              <a:t>: Item</a:t>
+            </a:r>
+            <a:endParaRPr lang="pt-PT" sz="1600" b="1" dirty="0" smtClean="0"/>
+          </a:p>
+          <a:p>
+            <a:pPr algn="just"/>
+            <a:r>
+              <a:rPr lang="pt-PT" sz="1600" dirty="0" smtClean="0"/>
+              <a:t>As </a:t>
+            </a:r>
+            <a:r>
+              <a:rPr lang="pt-PT" sz="1600" dirty="0" smtClean="0"/>
+              <a:t>seguintes alíneas devem ser realizadas no IDE, testando sempre na console application (e mantendo os testes efectuados guardados):</a:t>
+            </a:r>
+          </a:p>
+          <a:p>
+            <a:pPr algn="just"/>
+            <a:r>
+              <a:rPr lang="pt-PT" sz="1600" b="1" dirty="0"/>
+              <a:t>4</a:t>
+            </a:r>
+            <a:r>
+              <a:rPr lang="pt-PT" sz="1600" b="1" dirty="0" smtClean="0"/>
+              <a:t>º</a:t>
+            </a:r>
+            <a:r>
+              <a:rPr lang="pt-PT" sz="1600" dirty="0" smtClean="0"/>
+              <a:t> Crie um projeto com o nome ACMERenting com o tipo DLL e </a:t>
+            </a:r>
+            <a:r>
+              <a:rPr lang="pt-PT" sz="1600" dirty="0" smtClean="0"/>
+              <a:t>um outro projeto com o tipo </a:t>
+            </a:r>
+            <a:r>
+              <a:rPr lang="pt-PT" sz="1600" dirty="0" smtClean="0"/>
+              <a:t>console application;</a:t>
+            </a:r>
+          </a:p>
+          <a:p>
+            <a:pPr algn="just"/>
+            <a:r>
+              <a:rPr lang="pt-PT" sz="1600" b="1" dirty="0" smtClean="0"/>
+              <a:t>5º </a:t>
+            </a:r>
+            <a:r>
+              <a:rPr lang="pt-PT" sz="1600" dirty="0" smtClean="0"/>
+              <a:t>Crie a classe Cliente de forma a que esta possa ser </a:t>
+            </a:r>
+            <a:r>
+              <a:rPr lang="pt-PT" sz="1600" dirty="0" smtClean="0"/>
+              <a:t>instanciada, </a:t>
+            </a:r>
+            <a:r>
+              <a:rPr lang="pt-PT" sz="1600" dirty="0" smtClean="0"/>
+              <a:t>garanta que adiciona um construtor vazio e adicione os atributos identificados à classe. Adicione também métodos get e set (utilize o padrão getAtrX e setAtrY</a:t>
+            </a:r>
+            <a:r>
+              <a:rPr lang="pt-PT" sz="1600" dirty="0" smtClean="0"/>
+              <a:t>)</a:t>
+            </a:r>
+          </a:p>
+          <a:p>
+            <a:pPr algn="just"/>
+            <a:r>
+              <a:rPr lang="pt-PT" sz="1600" b="1" dirty="0" smtClean="0"/>
+              <a:t>6º </a:t>
+            </a:r>
+            <a:r>
+              <a:rPr lang="pt-PT" sz="1600" dirty="0" smtClean="0"/>
+              <a:t>Faça override do tostring de forma a devolver uma string com os atributos concatenados na forma “&lt;nome_atributo&gt; = &lt;valor_atributo&gt;, ... “.</a:t>
+            </a:r>
+          </a:p>
+          <a:p>
+            <a:pPr algn="just"/>
+            <a:r>
+              <a:rPr lang="pt-PT" sz="1600" b="1" dirty="0" smtClean="0"/>
+              <a:t>7º</a:t>
+            </a:r>
+            <a:r>
+              <a:rPr lang="pt-PT" sz="1600" dirty="0" smtClean="0"/>
+              <a:t> </a:t>
+            </a:r>
+            <a:r>
+              <a:rPr lang="pt-PT" sz="1600" dirty="0" smtClean="0"/>
+              <a:t>Crie a classe Item como pública sem construtor, defina os seus atributos privados e métodos get e set para todos os </a:t>
+            </a:r>
+            <a:r>
+              <a:rPr lang="pt-PT" sz="1600" dirty="0" smtClean="0"/>
+              <a:t>atributos</a:t>
+            </a:r>
+            <a:endParaRPr lang="pt-PT" sz="1000" dirty="0" smtClean="0"/>
+          </a:p>
+          <a:p>
+            <a:pPr algn="just"/>
+            <a:r>
+              <a:rPr lang="pt-PT" sz="1600" b="1" dirty="0" smtClean="0"/>
+              <a:t>8º</a:t>
+            </a:r>
+            <a:r>
+              <a:rPr lang="pt-PT" sz="1600" dirty="0" smtClean="0"/>
+              <a:t> Override do tostring do Item para apresentar o mesmo formato “nome_atributo = valor_atributo, “ para os atributos titulo, descricao e categoria.</a:t>
+            </a:r>
+          </a:p>
+          <a:p>
+            <a:pPr algn="just"/>
+            <a:r>
+              <a:rPr lang="pt-PT" sz="1600" b="1" dirty="0" smtClean="0"/>
+              <a:t>9º </a:t>
+            </a:r>
+            <a:r>
+              <a:rPr lang="pt-PT" sz="1600" dirty="0" smtClean="0"/>
+              <a:t>Adicione outro construtor na classe </a:t>
+            </a:r>
+            <a:r>
+              <a:rPr lang="pt-PT" sz="1600" dirty="0" smtClean="0"/>
+              <a:t>Cliente </a:t>
+            </a:r>
+            <a:r>
+              <a:rPr lang="pt-PT" sz="1600" dirty="0" smtClean="0"/>
+              <a:t>que permita inicializar os atributos nome, endereco e telefone</a:t>
+            </a:r>
+          </a:p>
+          <a:p>
+            <a:pPr algn="just"/>
+            <a:r>
+              <a:rPr lang="pt-PT" sz="1600" b="1" dirty="0" smtClean="0"/>
+              <a:t>10º</a:t>
+            </a:r>
+            <a:r>
+              <a:rPr lang="pt-PT" sz="1600" dirty="0" smtClean="0"/>
+              <a:t> Adicione um construtor vazio ao </a:t>
+            </a:r>
+            <a:r>
+              <a:rPr lang="pt-PT" sz="1600" dirty="0" smtClean="0"/>
+              <a:t>Item </a:t>
+            </a:r>
+            <a:r>
+              <a:rPr lang="pt-PT" sz="1600" dirty="0" smtClean="0"/>
+              <a:t>e </a:t>
+            </a:r>
+            <a:r>
+              <a:rPr lang="pt-PT" sz="1600" dirty="0" smtClean="0"/>
+              <a:t>um outro </a:t>
+            </a:r>
+            <a:r>
+              <a:rPr lang="pt-PT" sz="1600" dirty="0" smtClean="0"/>
+              <a:t>construtor que permita inicializar os atributos </a:t>
+            </a:r>
+            <a:r>
+              <a:rPr lang="pt-PT" sz="1600" dirty="0" smtClean="0"/>
+              <a:t>ID, descricao, </a:t>
+            </a:r>
+            <a:r>
+              <a:rPr lang="pt-PT" sz="1600" dirty="0" smtClean="0"/>
+              <a:t>preco e numeroDias</a:t>
+            </a:r>
+            <a:endParaRPr lang="pt-PT" sz="1600" dirty="0"/>
+          </a:p>
+        </p:txBody>
+      </p:sp>
+    </p:spTree>
+    <p:extLst>
+      <p:ext uri="{BB962C8B-B14F-4D97-AF65-F5344CB8AC3E}">
+        <p14:creationId xmlns:p14="http://schemas.microsoft.com/office/powerpoint/2010/main" val="3680782573"/>
+      </p:ext>
+    </p:extLst>
+  </p:cSld>
+  <p:clrMapOvr>
+    <a:masterClrMapping/>
+  </p:clrMapOvr>
+  <p:transition>
+    <p:cut/>
+  </p:transition>
+  <p:timing>
+    <p:tnLst>
+      <p:par>
+        <p:cTn id="1" dur="indefinite" restart="never" nodeType="tmRoot"/>
+      </p:par>
+    </p:tnLst>
+  </p:timing>
+</p:sld>
+</file>
+
+<file path=ppt/slides/slide28.xml><?xml version="1.0" encoding="utf-8"?>
+<p:sld xmlns:a="http://schemas.openxmlformats.org/drawingml/2006/main" xmlns:r="http://schemas.openxmlformats.org/officeDocument/2006/relationships" xmlns:p="http://schemas.openxmlformats.org/presentationml/2006/main">
+  <p:cSld>
+    <p:spTree>
+      <p:nvGrpSpPr>
+        <p:cNvPr id="1" name=""/>
+        <p:cNvGrpSpPr/>
+        <p:nvPr/>
+      </p:nvGrpSpPr>
+      <p:grpSpPr>
+        <a:xfrm>
+          <a:off x="0" y="0"/>
+          <a:ext cx="0" cy="0"/>
+          <a:chOff x="0" y="0"/>
+          <a:chExt cx="0" cy="0"/>
+        </a:xfrm>
+      </p:grpSpPr>
+      <p:sp>
+        <p:nvSpPr>
+          <p:cNvPr id="4" name="Date Placeholder 3"/>
+          <p:cNvSpPr>
+            <a:spLocks noGrp="1"/>
+          </p:cNvSpPr>
+          <p:nvPr>
+            <p:ph type="dt" sz="half" idx="10"/>
+          </p:nvPr>
+        </p:nvSpPr>
+        <p:spPr/>
+        <p:txBody>
+          <a:bodyPr/>
+          <a:lstStyle/>
+          <a:p>
+            <a:r>
+              <a:rPr lang="pt-PT" dirty="0" smtClean="0"/>
+              <a:t>www.atec.pt</a:t>
+            </a:r>
+            <a:endParaRPr lang="de-DE" dirty="0"/>
+          </a:p>
+        </p:txBody>
+      </p:sp>
+      <p:sp>
+        <p:nvSpPr>
+          <p:cNvPr id="6" name="Slide Number Placeholder 5"/>
+          <p:cNvSpPr>
+            <a:spLocks noGrp="1"/>
+          </p:cNvSpPr>
+          <p:nvPr>
+            <p:ph type="sldNum" sz="quarter" idx="12"/>
+          </p:nvPr>
+        </p:nvSpPr>
+        <p:spPr/>
+        <p:txBody>
+          <a:bodyPr/>
+          <a:lstStyle/>
+          <a:p>
+            <a:r>
+              <a:rPr lang="de-DE" dirty="0" smtClean="0"/>
+              <a:t>Page </a:t>
+            </a:r>
+            <a:fld id="{A5BB97A9-7D72-4F8F-8BC5-4E547C3F4DC5}" type="slidenum">
+              <a:rPr lang="de-DE" smtClean="0"/>
+              <a:pPr/>
+              <a:t>28</a:t>
+            </a:fld>
+            <a:endParaRPr lang="de-DE" dirty="0"/>
+          </a:p>
+        </p:txBody>
+      </p:sp>
+      <p:sp>
+        <p:nvSpPr>
+          <p:cNvPr id="2" name="Title 1"/>
+          <p:cNvSpPr>
+            <a:spLocks noGrp="1"/>
+          </p:cNvSpPr>
+          <p:nvPr>
+            <p:ph type="title"/>
+          </p:nvPr>
+        </p:nvSpPr>
+        <p:spPr/>
+        <p:txBody>
+          <a:bodyPr/>
+          <a:lstStyle/>
+          <a:p>
+            <a:r>
+              <a:rPr lang="pt-PT" dirty="0" smtClean="0">
+                <a:solidFill>
+                  <a:schemeClr val="bg1">
+                    <a:lumMod val="50000"/>
+                  </a:schemeClr>
+                </a:solidFill>
+              </a:rPr>
+              <a:t>Projecto III – ACME</a:t>
+            </a:r>
+            <a:endParaRPr lang="pt-PT" dirty="0">
+              <a:solidFill>
+                <a:schemeClr val="bg1">
+                  <a:lumMod val="50000"/>
+                </a:schemeClr>
+              </a:solidFill>
+            </a:endParaRPr>
+          </a:p>
+        </p:txBody>
+      </p:sp>
+      <p:sp>
+        <p:nvSpPr>
+          <p:cNvPr id="3" name="Content Placeholder 2"/>
+          <p:cNvSpPr>
+            <a:spLocks noGrp="1"/>
+          </p:cNvSpPr>
+          <p:nvPr>
+            <p:ph sz="half" idx="1"/>
+          </p:nvPr>
+        </p:nvSpPr>
+        <p:spPr>
+          <a:xfrm>
+            <a:off x="163285" y="783771"/>
+            <a:ext cx="9535886" cy="5562600"/>
+          </a:xfrm>
+        </p:spPr>
+        <p:txBody>
+          <a:bodyPr>
+            <a:normAutofit lnSpcReduction="10000"/>
+          </a:bodyPr>
+          <a:lstStyle/>
+          <a:p>
+            <a:pPr algn="just"/>
+            <a:r>
+              <a:rPr lang="pt-PT" sz="1600" b="1" dirty="0" smtClean="0"/>
+              <a:t>Cliente</a:t>
+            </a:r>
+            <a:r>
+              <a:rPr lang="pt-PT" sz="1600" dirty="0" smtClean="0"/>
+              <a:t>[nome, endereco, telefone, numSocio]   </a:t>
+            </a:r>
+            <a:r>
+              <a:rPr lang="pt-PT" sz="1600" b="1" dirty="0" smtClean="0"/>
+              <a:t>Item</a:t>
+            </a:r>
+            <a:r>
+              <a:rPr lang="pt-PT" sz="1600" dirty="0" smtClean="0"/>
+              <a:t> (preco, numDias, descricao) </a:t>
+            </a:r>
+            <a:r>
+              <a:rPr lang="pt-PT" sz="1600" b="1" dirty="0" smtClean="0"/>
+              <a:t>DVDFilme</a:t>
+            </a:r>
+            <a:r>
+              <a:rPr lang="pt-PT" sz="1600" dirty="0" smtClean="0"/>
+              <a:t>[sinopse, categoria]</a:t>
+            </a:r>
+          </a:p>
+          <a:p>
+            <a:pPr algn="just"/>
+            <a:r>
+              <a:rPr lang="pt-PT" sz="1600" b="1" dirty="0" smtClean="0"/>
+              <a:t>Aluguer</a:t>
+            </a:r>
+            <a:r>
+              <a:rPr lang="pt-PT" sz="1600" dirty="0" smtClean="0"/>
+              <a:t>[Cliente, dataInicio, numReserva, itensAlugados]  </a:t>
+            </a:r>
+            <a:r>
+              <a:rPr lang="pt-PT" sz="1600" b="1" dirty="0" smtClean="0"/>
+              <a:t>ItemAlugado</a:t>
+            </a:r>
+            <a:r>
+              <a:rPr lang="pt-PT" sz="1600" dirty="0" smtClean="0"/>
+              <a:t>[dataPrevista, dataReal]</a:t>
+            </a:r>
+            <a:r>
+              <a:rPr lang="pt-PT" sz="1600" b="1" dirty="0" smtClean="0"/>
+              <a:t>: Item</a:t>
+            </a:r>
+            <a:endParaRPr lang="pt-PT" sz="1600" b="1" dirty="0" smtClean="0"/>
+          </a:p>
+          <a:p>
+            <a:pPr algn="just"/>
+            <a:r>
+              <a:rPr lang="pt-PT" sz="1600" b="1" dirty="0" smtClean="0"/>
+              <a:t>11º</a:t>
+            </a:r>
+            <a:r>
+              <a:rPr lang="pt-PT" sz="1600" dirty="0" smtClean="0"/>
+              <a:t> </a:t>
+            </a:r>
+            <a:r>
+              <a:rPr lang="pt-PT" sz="1600" dirty="0" smtClean="0"/>
+              <a:t>Crie </a:t>
+            </a:r>
+            <a:r>
+              <a:rPr lang="pt-PT" sz="1600" dirty="0" smtClean="0"/>
+              <a:t>a classe DVDFilme com os respectivos atributos e implemente os métodos get e set para cada um </a:t>
+            </a:r>
+            <a:r>
+              <a:rPr lang="pt-PT" sz="1600" dirty="0"/>
+              <a:t>deles (utilize o padrão getAtrX e setAtrY);</a:t>
+            </a:r>
+            <a:endParaRPr lang="pt-PT" sz="1600" dirty="0" smtClean="0"/>
+          </a:p>
+          <a:p>
+            <a:pPr algn="just"/>
+            <a:r>
+              <a:rPr lang="pt-PT" sz="1600" b="1" dirty="0" smtClean="0"/>
+              <a:t>12º </a:t>
+            </a:r>
+            <a:r>
+              <a:rPr lang="pt-PT" sz="1600" dirty="0" smtClean="0"/>
+              <a:t>Crie a classe ItemAlugado ... atributos ... Get e set para todos os atributos, construtor que aceite Item e a data prevista;</a:t>
+            </a:r>
+          </a:p>
+          <a:p>
+            <a:pPr algn="just"/>
+            <a:r>
+              <a:rPr lang="pt-PT" sz="1600" b="1" dirty="0" smtClean="0"/>
+              <a:t>13º </a:t>
+            </a:r>
+            <a:r>
+              <a:rPr lang="pt-PT" sz="1600" dirty="0" smtClean="0"/>
+              <a:t>Crie a classe Aluguer ... atributos ... Get e set para todos os atributos, construtor que aceite data inicio, cliente; </a:t>
+            </a:r>
+          </a:p>
+          <a:p>
+            <a:pPr algn="just"/>
+            <a:r>
+              <a:rPr lang="pt-PT" sz="1600" b="1" dirty="0" smtClean="0"/>
+              <a:t>14º </a:t>
+            </a:r>
+            <a:r>
+              <a:rPr lang="pt-PT" sz="1600" dirty="0" smtClean="0"/>
+              <a:t>Implemente o método addItem com a assinatura void ... (Item)</a:t>
+            </a:r>
+            <a:endParaRPr lang="pt-PT" sz="1000" dirty="0" smtClean="0"/>
+          </a:p>
+          <a:p>
+            <a:pPr algn="just"/>
+            <a:r>
+              <a:rPr lang="pt-PT" sz="1600" b="1" dirty="0" smtClean="0"/>
+              <a:t>15º </a:t>
+            </a:r>
+            <a:r>
+              <a:rPr lang="pt-PT" sz="1600" dirty="0" smtClean="0"/>
+              <a:t>Implemente o método toString de Aluguer de forma a mostrar todos os atributos em formato string (itens alugados inclusivé)</a:t>
+            </a:r>
+          </a:p>
+          <a:p>
+            <a:pPr algn="just"/>
+            <a:r>
+              <a:rPr lang="pt-PT" sz="1600" b="1" dirty="0" smtClean="0"/>
+              <a:t>16º </a:t>
+            </a:r>
+            <a:r>
+              <a:rPr lang="pt-PT" sz="1600" dirty="0"/>
+              <a:t>Crie instâncias de: DVDFilme, Item, Aluguer e imprima o toString desses objetos</a:t>
+            </a:r>
+            <a:r>
+              <a:rPr lang="pt-PT" sz="1600" dirty="0" smtClean="0"/>
+              <a:t>;</a:t>
+            </a:r>
+          </a:p>
+          <a:p>
+            <a:pPr algn="just"/>
+            <a:r>
+              <a:rPr lang="pt-PT" sz="1600" b="1" dirty="0" smtClean="0"/>
+              <a:t>17</a:t>
+            </a:r>
+            <a:r>
+              <a:rPr lang="pt-PT" sz="1600" dirty="0" smtClean="0"/>
+              <a:t>º Crie um menu na console application que permita simular um aluguer:</a:t>
+            </a:r>
+          </a:p>
+          <a:p>
+            <a:pPr algn="just"/>
+            <a:r>
+              <a:rPr lang="pt-PT" sz="1600" dirty="0"/>
+              <a:t>	</a:t>
+            </a:r>
+            <a:r>
+              <a:rPr lang="pt-PT" sz="1600" dirty="0" smtClean="0"/>
+              <a:t>a) Introduza os dados do cliente (Nome? ... NumSocio? ... ) e crie uma instancia de Cliente;</a:t>
+            </a:r>
+          </a:p>
+          <a:p>
+            <a:pPr algn="just"/>
+            <a:r>
+              <a:rPr lang="pt-PT" sz="1600" dirty="0"/>
+              <a:t>	</a:t>
+            </a:r>
+            <a:r>
+              <a:rPr lang="pt-PT" sz="1600" dirty="0" smtClean="0"/>
+              <a:t>b) Criar um Aluguer para o cliente criado anteriormente;</a:t>
+            </a:r>
+          </a:p>
+          <a:p>
+            <a:pPr algn="just"/>
+            <a:r>
+              <a:rPr lang="pt-PT" sz="1600" dirty="0"/>
+              <a:t>	</a:t>
+            </a:r>
+            <a:r>
+              <a:rPr lang="pt-PT" sz="1600" dirty="0" smtClean="0"/>
+              <a:t>c) Adicionar itens (pedir os atributos necessários para criar um DVDFilme);</a:t>
+            </a:r>
+          </a:p>
+          <a:p>
+            <a:pPr algn="just"/>
+            <a:r>
+              <a:rPr lang="pt-PT" sz="1600" dirty="0"/>
+              <a:t>	</a:t>
+            </a:r>
+            <a:r>
+              <a:rPr lang="pt-PT" sz="1600" dirty="0" smtClean="0"/>
+              <a:t>d) Permitir imprimir o Aluguer;</a:t>
+            </a:r>
+            <a:endParaRPr lang="pt-PT" sz="1600" dirty="0"/>
+          </a:p>
+        </p:txBody>
+      </p:sp>
+    </p:spTree>
+    <p:extLst>
+      <p:ext uri="{BB962C8B-B14F-4D97-AF65-F5344CB8AC3E}">
+        <p14:creationId xmlns:p14="http://schemas.microsoft.com/office/powerpoint/2010/main" val="3695845824"/>
       </p:ext>
     </p:extLst>
   </p:cSld>
